--- a/folien/week4.pptx
+++ b/folien/week4.pptx
@@ -1068,13 +1068,13 @@
         <a:lstStyle/>
         <a:p>
           <a:r>
-            <a:rPr lang="de-DE" sz="500" dirty="0"/>
+            <a:rPr lang="de-DE" sz="700" dirty="0"/>
             <a:t>Emotionen</a:t>
           </a:r>
         </a:p>
         <a:p>
           <a:r>
-            <a:rPr lang="de-DE" sz="500" dirty="0"/>
+            <a:rPr lang="de-DE" sz="700" dirty="0"/>
             <a:t>Im Unterricht</a:t>
           </a:r>
         </a:p>
@@ -1087,7 +1087,7 @@
         <a:bodyPr/>
         <a:lstStyle/>
         <a:p>
-          <a:endParaRPr lang="de-DE" sz="500"/>
+          <a:endParaRPr lang="de-DE" sz="700"/>
         </a:p>
       </dgm:t>
     </dgm:pt>
@@ -1098,7 +1098,7 @@
         <a:bodyPr/>
         <a:lstStyle/>
         <a:p>
-          <a:endParaRPr lang="de-DE" sz="500"/>
+          <a:endParaRPr lang="de-DE" sz="700"/>
         </a:p>
       </dgm:t>
     </dgm:pt>
@@ -1110,7 +1110,7 @@
         <a:lstStyle/>
         <a:p>
           <a:r>
-            <a:rPr lang="de-DE" sz="500" dirty="0"/>
+            <a:rPr lang="de-DE" sz="700" dirty="0"/>
             <a:t>Arten von Emotionen </a:t>
           </a:r>
         </a:p>
@@ -1123,7 +1123,7 @@
         <a:bodyPr/>
         <a:lstStyle/>
         <a:p>
-          <a:endParaRPr lang="de-DE" sz="500"/>
+          <a:endParaRPr lang="de-DE" sz="700"/>
         </a:p>
       </dgm:t>
     </dgm:pt>
@@ -1134,7 +1134,7 @@
         <a:bodyPr/>
         <a:lstStyle/>
         <a:p>
-          <a:endParaRPr lang="de-DE" sz="500"/>
+          <a:endParaRPr lang="de-DE" sz="700"/>
         </a:p>
       </dgm:t>
     </dgm:pt>
@@ -1152,7 +1152,7 @@
         <a:lstStyle/>
         <a:p>
           <a:r>
-            <a:rPr lang="de-DE" sz="500" dirty="0"/>
+            <a:rPr lang="de-DE" sz="700" dirty="0"/>
             <a:t>Wirkung von Emotionen </a:t>
           </a:r>
         </a:p>
@@ -1165,7 +1165,7 @@
         <a:bodyPr/>
         <a:lstStyle/>
         <a:p>
-          <a:endParaRPr lang="de-DE" sz="500"/>
+          <a:endParaRPr lang="de-DE" sz="700"/>
         </a:p>
       </dgm:t>
     </dgm:pt>
@@ -1176,7 +1176,7 @@
         <a:bodyPr/>
         <a:lstStyle/>
         <a:p>
-          <a:endParaRPr lang="de-DE" sz="500"/>
+          <a:endParaRPr lang="de-DE" sz="700"/>
         </a:p>
       </dgm:t>
     </dgm:pt>
@@ -1188,7 +1188,7 @@
         <a:lstStyle/>
         <a:p>
           <a:r>
-            <a:rPr lang="de-DE" sz="500" dirty="0"/>
+            <a:rPr lang="de-DE" sz="700" dirty="0"/>
             <a:t>…</a:t>
           </a:r>
         </a:p>
@@ -1201,7 +1201,7 @@
         <a:bodyPr/>
         <a:lstStyle/>
         <a:p>
-          <a:endParaRPr lang="de-DE" sz="500"/>
+          <a:endParaRPr lang="de-DE" sz="700"/>
         </a:p>
       </dgm:t>
     </dgm:pt>
@@ -1212,7 +1212,7 @@
         <a:bodyPr/>
         <a:lstStyle/>
         <a:p>
-          <a:endParaRPr lang="de-DE" sz="500"/>
+          <a:endParaRPr lang="de-DE" sz="700"/>
         </a:p>
       </dgm:t>
     </dgm:pt>
@@ -1224,11 +1224,11 @@
         <a:lstStyle/>
         <a:p>
           <a:r>
-            <a:rPr lang="de-DE" sz="500" dirty="0" err="1"/>
+            <a:rPr lang="de-DE" sz="700" dirty="0" err="1"/>
             <a:t>Kompo-nenten</a:t>
           </a:r>
           <a:r>
-            <a:rPr lang="de-DE" sz="500" dirty="0"/>
+            <a:rPr lang="de-DE" sz="700" dirty="0"/>
             <a:t> </a:t>
           </a:r>
         </a:p>
@@ -1241,7 +1241,7 @@
         <a:bodyPr/>
         <a:lstStyle/>
         <a:p>
-          <a:endParaRPr lang="de-DE" sz="500"/>
+          <a:endParaRPr lang="de-DE" sz="700"/>
         </a:p>
       </dgm:t>
     </dgm:pt>
@@ -1252,7 +1252,7 @@
         <a:bodyPr/>
         <a:lstStyle/>
         <a:p>
-          <a:endParaRPr lang="de-DE" sz="500"/>
+          <a:endParaRPr lang="de-DE" sz="700"/>
         </a:p>
       </dgm:t>
     </dgm:pt>
@@ -1264,7 +1264,7 @@
         <a:lstStyle/>
         <a:p>
           <a:r>
-            <a:rPr lang="de-DE" sz="500" dirty="0"/>
+            <a:rPr lang="de-DE" sz="700" dirty="0"/>
             <a:t>Kontroll-Wert-Theorie</a:t>
           </a:r>
         </a:p>
@@ -1277,7 +1277,7 @@
         <a:bodyPr/>
         <a:lstStyle/>
         <a:p>
-          <a:endParaRPr lang="de-DE" sz="500"/>
+          <a:endParaRPr lang="de-DE" sz="700"/>
         </a:p>
       </dgm:t>
     </dgm:pt>
@@ -1288,7 +1288,7 @@
         <a:bodyPr/>
         <a:lstStyle/>
         <a:p>
-          <a:endParaRPr lang="de-DE" sz="500"/>
+          <a:endParaRPr lang="de-DE" sz="700"/>
         </a:p>
       </dgm:t>
     </dgm:pt>
@@ -1300,7 +1300,7 @@
         <a:lstStyle/>
         <a:p>
           <a:r>
-            <a:rPr lang="de-DE" sz="500" dirty="0"/>
+            <a:rPr lang="de-DE" sz="700" dirty="0"/>
             <a:t>Emotions-transmission </a:t>
           </a:r>
         </a:p>
@@ -1313,7 +1313,7 @@
         <a:bodyPr/>
         <a:lstStyle/>
         <a:p>
-          <a:endParaRPr lang="de-DE" sz="500"/>
+          <a:endParaRPr lang="de-DE" sz="700"/>
         </a:p>
       </dgm:t>
     </dgm:pt>
@@ -1324,7 +1324,7 @@
         <a:bodyPr/>
         <a:lstStyle/>
         <a:p>
-          <a:endParaRPr lang="de-DE" sz="500"/>
+          <a:endParaRPr lang="de-DE" sz="700"/>
         </a:p>
       </dgm:t>
     </dgm:pt>
@@ -1336,7 +1336,7 @@
         <a:lstStyle/>
         <a:p>
           <a:r>
-            <a:rPr lang="de-DE" sz="500" dirty="0"/>
+            <a:rPr lang="de-DE" sz="700" dirty="0"/>
             <a:t>Leistungs-emotionen</a:t>
           </a:r>
         </a:p>
@@ -1349,7 +1349,7 @@
         <a:bodyPr/>
         <a:lstStyle/>
         <a:p>
-          <a:endParaRPr lang="de-DE" sz="500"/>
+          <a:endParaRPr lang="de-DE" sz="700"/>
         </a:p>
       </dgm:t>
     </dgm:pt>
@@ -1360,7 +1360,7 @@
         <a:bodyPr/>
         <a:lstStyle/>
         <a:p>
-          <a:endParaRPr lang="de-DE" sz="500"/>
+          <a:endParaRPr lang="de-DE" sz="700"/>
         </a:p>
       </dgm:t>
     </dgm:pt>
@@ -1372,9 +1372,16 @@
         <a:lstStyle/>
         <a:p>
           <a:r>
-            <a:rPr lang="de-DE" sz="500" dirty="0"/>
-            <a:t>Themenemotionen</a:t>
+            <a:rPr lang="de-DE" sz="700" dirty="0"/>
+            <a:t>Themen</a:t>
           </a:r>
+        </a:p>
+        <a:p>
+          <a:r>
+            <a:rPr lang="de-DE" sz="700" dirty="0" err="1"/>
+            <a:t>emotionen</a:t>
+          </a:r>
+          <a:endParaRPr lang="de-DE" sz="700" dirty="0"/>
         </a:p>
       </dgm:t>
     </dgm:pt>
@@ -1385,7 +1392,7 @@
         <a:bodyPr/>
         <a:lstStyle/>
         <a:p>
-          <a:endParaRPr lang="de-DE" sz="500"/>
+          <a:endParaRPr lang="de-DE" sz="700"/>
         </a:p>
       </dgm:t>
     </dgm:pt>
@@ -1396,7 +1403,7 @@
         <a:bodyPr/>
         <a:lstStyle/>
         <a:p>
-          <a:endParaRPr lang="de-DE" sz="500"/>
+          <a:endParaRPr lang="de-DE" sz="700"/>
         </a:p>
       </dgm:t>
     </dgm:pt>
@@ -1408,7 +1415,7 @@
         <a:lstStyle/>
         <a:p>
           <a:r>
-            <a:rPr lang="de-DE" sz="500" dirty="0"/>
+            <a:rPr lang="de-DE" sz="700" dirty="0"/>
             <a:t>… </a:t>
           </a:r>
         </a:p>
@@ -1421,7 +1428,7 @@
         <a:bodyPr/>
         <a:lstStyle/>
         <a:p>
-          <a:endParaRPr lang="de-DE" sz="500"/>
+          <a:endParaRPr lang="de-DE" sz="700"/>
         </a:p>
       </dgm:t>
     </dgm:pt>
@@ -1432,7 +1439,7 @@
         <a:bodyPr/>
         <a:lstStyle/>
         <a:p>
-          <a:endParaRPr lang="de-DE" sz="500"/>
+          <a:endParaRPr lang="de-DE" sz="700"/>
         </a:p>
       </dgm:t>
     </dgm:pt>
@@ -1444,7 +1451,7 @@
         <a:lstStyle/>
         <a:p>
           <a:r>
-            <a:rPr lang="de-DE" sz="500" dirty="0"/>
+            <a:rPr lang="de-DE" sz="700" dirty="0"/>
             <a:t>Affektiv</a:t>
           </a:r>
         </a:p>
@@ -1457,7 +1464,7 @@
         <a:bodyPr/>
         <a:lstStyle/>
         <a:p>
-          <a:endParaRPr lang="de-DE" sz="500"/>
+          <a:endParaRPr lang="de-DE" sz="700"/>
         </a:p>
       </dgm:t>
     </dgm:pt>
@@ -1468,7 +1475,7 @@
         <a:bodyPr/>
         <a:lstStyle/>
         <a:p>
-          <a:endParaRPr lang="de-DE" sz="500"/>
+          <a:endParaRPr lang="de-DE" sz="700"/>
         </a:p>
       </dgm:t>
     </dgm:pt>
@@ -1480,7 +1487,7 @@
         <a:lstStyle/>
         <a:p>
           <a:r>
-            <a:rPr lang="de-DE" sz="500" dirty="0"/>
+            <a:rPr lang="de-DE" sz="700" dirty="0"/>
             <a:t>Kognitiv</a:t>
           </a:r>
         </a:p>
@@ -1493,7 +1500,7 @@
         <a:bodyPr/>
         <a:lstStyle/>
         <a:p>
-          <a:endParaRPr lang="de-DE" sz="500"/>
+          <a:endParaRPr lang="de-DE" sz="700"/>
         </a:p>
       </dgm:t>
     </dgm:pt>
@@ -1504,7 +1511,7 @@
         <a:bodyPr/>
         <a:lstStyle/>
         <a:p>
-          <a:endParaRPr lang="de-DE" sz="500"/>
+          <a:endParaRPr lang="de-DE" sz="700"/>
         </a:p>
       </dgm:t>
     </dgm:pt>
@@ -1516,12 +1523,8 @@
         <a:lstStyle/>
         <a:p>
           <a:r>
-            <a:rPr lang="de-DE" sz="500" dirty="0" err="1"/>
-            <a:t>Motiva-tional</a:t>
-          </a:r>
-          <a:r>
-            <a:rPr lang="de-DE" sz="500" dirty="0"/>
-            <a:t> </a:t>
+            <a:rPr lang="de-DE" sz="700" dirty="0"/>
+            <a:t>Motivational </a:t>
           </a:r>
         </a:p>
       </dgm:t>
@@ -1533,7 +1536,7 @@
         <a:bodyPr/>
         <a:lstStyle/>
         <a:p>
-          <a:endParaRPr lang="de-DE" sz="500"/>
+          <a:endParaRPr lang="de-DE" sz="700"/>
         </a:p>
       </dgm:t>
     </dgm:pt>
@@ -1544,7 +1547,7 @@
         <a:bodyPr/>
         <a:lstStyle/>
         <a:p>
-          <a:endParaRPr lang="de-DE" sz="500"/>
+          <a:endParaRPr lang="de-DE" sz="700"/>
         </a:p>
       </dgm:t>
     </dgm:pt>
@@ -1556,7 +1559,7 @@
         <a:lstStyle/>
         <a:p>
           <a:r>
-            <a:rPr lang="de-DE" sz="500" dirty="0"/>
+            <a:rPr lang="de-DE" sz="700" dirty="0"/>
             <a:t>…</a:t>
           </a:r>
         </a:p>
@@ -1569,7 +1572,7 @@
         <a:bodyPr/>
         <a:lstStyle/>
         <a:p>
-          <a:endParaRPr lang="de-DE" sz="500"/>
+          <a:endParaRPr lang="de-DE" sz="700"/>
         </a:p>
       </dgm:t>
     </dgm:pt>
@@ -1580,7 +1583,7 @@
         <a:bodyPr/>
         <a:lstStyle/>
         <a:p>
-          <a:endParaRPr lang="de-DE" sz="500"/>
+          <a:endParaRPr lang="de-DE" sz="700"/>
         </a:p>
       </dgm:t>
     </dgm:pt>
@@ -1637,7 +1640,7 @@
       <dgm:spPr/>
     </dgm:pt>
     <dgm:pt modelId="{14FA339A-9DA9-4CBF-98FE-6A21D5CFF01B}" type="pres">
-      <dgm:prSet presAssocID="{B2A31DB6-45C1-4656-BACE-15BC296A020D}" presName="text3" presStyleLbl="node1" presStyleIdx="4" presStyleCnt="14" custScaleX="118374" custScaleY="96958">
+      <dgm:prSet presAssocID="{B2A31DB6-45C1-4656-BACE-15BC296A020D}" presName="text3" presStyleLbl="node1" presStyleIdx="4" presStyleCnt="14" custScaleX="152701" custScaleY="111501">
         <dgm:presLayoutVars>
           <dgm:bulletEnabled val="1"/>
         </dgm:presLayoutVars>
@@ -1649,7 +1652,7 @@
       <dgm:spPr/>
     </dgm:pt>
     <dgm:pt modelId="{8552D480-A96A-49BA-92E9-9C7670943F4C}" type="pres">
-      <dgm:prSet presAssocID="{56EDE8B9-9183-4F28-AE94-DCAF5508DFE7}" presName="text3" presStyleLbl="node1" presStyleIdx="5" presStyleCnt="14" custRadScaleRad="125415" custRadScaleInc="45927">
+      <dgm:prSet presAssocID="{56EDE8B9-9183-4F28-AE94-DCAF5508DFE7}" presName="text3" presStyleLbl="node1" presStyleIdx="5" presStyleCnt="14" custScaleX="210614" custScaleY="141624" custRadScaleRad="125415" custRadScaleInc="45927">
         <dgm:presLayoutVars>
           <dgm:bulletEnabled val="1"/>
         </dgm:presLayoutVars>
@@ -1709,7 +1712,7 @@
       <dgm:spPr/>
     </dgm:pt>
     <dgm:pt modelId="{FC2956D0-B9CB-40CC-B83F-A7EA4B0333A3}" type="pres">
-      <dgm:prSet presAssocID="{FA3A7896-7F82-45CE-8808-2470EB1BC9EC}" presName="text6" presStyleLbl="node1" presStyleIdx="10" presStyleCnt="14" custRadScaleRad="127677">
+      <dgm:prSet presAssocID="{FA3A7896-7F82-45CE-8808-2470EB1BC9EC}" presName="text6" presStyleLbl="node1" presStyleIdx="10" presStyleCnt="14" custScaleX="134292" custScaleY="125936" custRadScaleRad="127677">
         <dgm:presLayoutVars>
           <dgm:bulletEnabled val="1"/>
         </dgm:presLayoutVars>
@@ -1733,7 +1736,7 @@
       <dgm:spPr/>
     </dgm:pt>
     <dgm:pt modelId="{FB590933-3A31-4047-8AFD-4FC50EB65692}" type="pres">
-      <dgm:prSet presAssocID="{EC3C2A21-494F-4DDE-BC09-7B6D92DE4BC2}" presName="text6" presStyleLbl="node1" presStyleIdx="12" presStyleCnt="14" custRadScaleRad="117049">
+      <dgm:prSet presAssocID="{EC3C2A21-494F-4DDE-BC09-7B6D92DE4BC2}" presName="text6" presStyleLbl="node1" presStyleIdx="12" presStyleCnt="14" custScaleX="180112" custScaleY="122474" custRadScaleRad="117049">
         <dgm:presLayoutVars>
           <dgm:bulletEnabled val="1"/>
         </dgm:presLayoutVars>
@@ -1858,9 +1861,9 @@
         <dsp:cNvSpPr/>
       </dsp:nvSpPr>
       <dsp:spPr>
-        <a:xfrm rot="19999919">
-          <a:off x="1940380" y="1162124"/>
-          <a:ext cx="293666" cy="0"/>
+        <a:xfrm rot="20006749">
+          <a:off x="3238857" y="1526204"/>
+          <a:ext cx="384887" cy="0"/>
         </a:xfrm>
         <a:custGeom>
           <a:avLst/>
@@ -1874,7 +1877,7 @@
                 <a:pt x="0" y="0"/>
               </a:moveTo>
               <a:lnTo>
-                <a:pt x="293666" y="0"/>
+                <a:pt x="384887" y="0"/>
               </a:lnTo>
             </a:path>
           </a:pathLst>
@@ -1914,8 +1917,8 @@
       </dsp:nvSpPr>
       <dsp:spPr>
         <a:xfrm rot="1573318">
-          <a:off x="1937085" y="1658166"/>
-          <a:ext cx="367593" cy="0"/>
+          <a:off x="3234342" y="2175408"/>
+          <a:ext cx="482259" cy="0"/>
         </a:xfrm>
         <a:custGeom>
           <a:avLst/>
@@ -1929,7 +1932,7 @@
                 <a:pt x="0" y="0"/>
               </a:moveTo>
               <a:lnTo>
-                <a:pt x="367593" y="0"/>
+                <a:pt x="482259" y="0"/>
               </a:lnTo>
             </a:path>
           </a:pathLst>
@@ -1969,8 +1972,8 @@
       </dsp:nvSpPr>
       <dsp:spPr>
         <a:xfrm rot="5373772">
-          <a:off x="1476510" y="1789789"/>
-          <a:ext cx="263344" cy="0"/>
+          <a:off x="2630098" y="2348088"/>
+          <a:ext cx="345490" cy="0"/>
         </a:xfrm>
         <a:custGeom>
           <a:avLst/>
@@ -1984,7 +1987,7 @@
                 <a:pt x="0" y="0"/>
               </a:moveTo>
               <a:lnTo>
-                <a:pt x="263344" y="0"/>
+                <a:pt x="345490" y="0"/>
               </a:lnTo>
             </a:path>
           </a:pathLst>
@@ -2023,9 +2026,9 @@
         <dsp:cNvSpPr/>
       </dsp:nvSpPr>
       <dsp:spPr>
-        <a:xfrm rot="8964961">
-          <a:off x="969614" y="1689388"/>
-          <a:ext cx="306163" cy="0"/>
+        <a:xfrm rot="8889886">
+          <a:off x="2058859" y="2207763"/>
+          <a:ext cx="302721" cy="0"/>
         </a:xfrm>
         <a:custGeom>
           <a:avLst/>
@@ -2039,7 +2042,7 @@
                 <a:pt x="0" y="0"/>
               </a:moveTo>
               <a:lnTo>
-                <a:pt x="306163" y="0"/>
+                <a:pt x="302721" y="0"/>
               </a:lnTo>
             </a:path>
           </a:pathLst>
@@ -2079,8 +2082,8 @@
       </dsp:nvSpPr>
       <dsp:spPr>
         <a:xfrm rot="12373318">
-          <a:off x="1000579" y="1172296"/>
-          <a:ext cx="267675" cy="0"/>
+          <a:off x="2005707" y="1537977"/>
+          <a:ext cx="351173" cy="0"/>
         </a:xfrm>
         <a:custGeom>
           <a:avLst/>
@@ -2094,7 +2097,7 @@
                 <a:pt x="0" y="0"/>
               </a:moveTo>
               <a:lnTo>
-                <a:pt x="267675" y="0"/>
+                <a:pt x="351173" y="0"/>
               </a:lnTo>
             </a:path>
           </a:pathLst>
@@ -2134,8 +2137,8 @@
       </dsp:nvSpPr>
       <dsp:spPr>
         <a:xfrm rot="16200000">
-          <a:off x="1417980" y="963007"/>
-          <a:ext cx="374521" cy="0"/>
+          <a:off x="2553310" y="1263403"/>
+          <a:ext cx="491347" cy="0"/>
         </a:xfrm>
         <a:custGeom>
           <a:avLst/>
@@ -2149,7 +2152,7 @@
                 <a:pt x="0" y="0"/>
               </a:moveTo>
               <a:lnTo>
-                <a:pt x="374521" y="0"/>
+                <a:pt x="491347" y="0"/>
               </a:lnTo>
             </a:path>
           </a:pathLst>
@@ -2189,8 +2192,8 @@
       </dsp:nvSpPr>
       <dsp:spPr>
         <a:xfrm>
-          <a:off x="1254481" y="1150267"/>
-          <a:ext cx="701517" cy="507853"/>
+          <a:off x="2338811" y="1509077"/>
+          <a:ext cx="920346" cy="666270"/>
         </a:xfrm>
         <a:prstGeom prst="roundRect">
           <a:avLst/>
@@ -2232,12 +2235,12 @@
         </a:fontRef>
       </dsp:style>
       <dsp:txBody>
-        <a:bodyPr spcFirstLastPara="0" vert="horz" wrap="square" lIns="12700" tIns="12700" rIns="12700" bIns="12700" numCol="1" spcCol="1270" anchor="ctr" anchorCtr="0">
+        <a:bodyPr spcFirstLastPara="0" vert="horz" wrap="square" lIns="17780" tIns="17780" rIns="17780" bIns="17780" numCol="1" spcCol="1270" anchor="ctr" anchorCtr="0">
           <a:noAutofit/>
         </a:bodyPr>
         <a:lstStyle/>
         <a:p>
-          <a:pPr marL="0" lvl="0" indent="0" algn="ctr" defTabSz="222250">
+          <a:pPr marL="0" lvl="0" indent="0" algn="ctr" defTabSz="311150">
             <a:lnSpc>
               <a:spcPct val="90000"/>
             </a:lnSpc>
@@ -2250,12 +2253,12 @@
             <a:buNone/>
           </a:pPr>
           <a:r>
-            <a:rPr lang="de-DE" sz="500" kern="1200" dirty="0"/>
+            <a:rPr lang="de-DE" sz="700" kern="1200" dirty="0"/>
             <a:t>Emotionen</a:t>
           </a:r>
         </a:p>
         <a:p>
-          <a:pPr marL="0" lvl="0" indent="0" algn="ctr" defTabSz="222250">
+          <a:pPr marL="0" lvl="0" indent="0" algn="ctr" defTabSz="311150">
             <a:lnSpc>
               <a:spcPct val="90000"/>
             </a:lnSpc>
@@ -2268,14 +2271,14 @@
             <a:buNone/>
           </a:pPr>
           <a:r>
-            <a:rPr lang="de-DE" sz="500" kern="1200" dirty="0"/>
+            <a:rPr lang="de-DE" sz="700" kern="1200" dirty="0"/>
             <a:t>Im Unterricht</a:t>
           </a:r>
         </a:p>
       </dsp:txBody>
       <dsp:txXfrm>
-        <a:off x="1279272" y="1175058"/>
-        <a:ext cx="651935" cy="458271"/>
+        <a:off x="2371336" y="1541602"/>
+        <a:ext cx="855296" cy="601220"/>
       </dsp:txXfrm>
     </dsp:sp>
     <dsp:sp modelId="{9E67BA19-B3B4-47FD-989A-71C13E672255}">
@@ -2285,8 +2288,8 @@
       </dsp:nvSpPr>
       <dsp:spPr>
         <a:xfrm>
-          <a:off x="1344204" y="331334"/>
-          <a:ext cx="522073" cy="444412"/>
+          <a:off x="2456520" y="434688"/>
+          <a:ext cx="684927" cy="583040"/>
         </a:xfrm>
         <a:prstGeom prst="roundRect">
           <a:avLst/>
@@ -2328,12 +2331,12 @@
         </a:fontRef>
       </dsp:style>
       <dsp:txBody>
-        <a:bodyPr spcFirstLastPara="0" vert="horz" wrap="square" lIns="12700" tIns="12700" rIns="12700" bIns="12700" numCol="1" spcCol="1270" anchor="ctr" anchorCtr="0">
+        <a:bodyPr spcFirstLastPara="0" vert="horz" wrap="square" lIns="17780" tIns="17780" rIns="17780" bIns="17780" numCol="1" spcCol="1270" anchor="ctr" anchorCtr="0">
           <a:noAutofit/>
         </a:bodyPr>
         <a:lstStyle/>
         <a:p>
-          <a:pPr marL="0" lvl="0" indent="0" algn="ctr" defTabSz="222250">
+          <a:pPr marL="0" lvl="0" indent="0" algn="ctr" defTabSz="311150">
             <a:lnSpc>
               <a:spcPct val="90000"/>
             </a:lnSpc>
@@ -2346,14 +2349,14 @@
             <a:buNone/>
           </a:pPr>
           <a:r>
-            <a:rPr lang="de-DE" sz="500" kern="1200" dirty="0"/>
+            <a:rPr lang="de-DE" sz="700" kern="1200" dirty="0"/>
             <a:t>Kontroll-Wert-Theorie</a:t>
           </a:r>
         </a:p>
       </dsp:txBody>
       <dsp:txXfrm>
-        <a:off x="1365898" y="353028"/>
-        <a:ext cx="478685" cy="401024"/>
+        <a:off x="2484982" y="463150"/>
+        <a:ext cx="628003" cy="526116"/>
       </dsp:txXfrm>
     </dsp:sp>
     <dsp:sp modelId="{619B19AB-FA2A-47CB-A94A-BEAB75099783}">
@@ -2363,8 +2366,8 @@
       </dsp:nvSpPr>
       <dsp:spPr>
         <a:xfrm>
-          <a:off x="494820" y="757081"/>
-          <a:ext cx="519531" cy="456267"/>
+          <a:off x="1342184" y="993242"/>
+          <a:ext cx="681592" cy="598593"/>
         </a:xfrm>
         <a:prstGeom prst="roundRect">
           <a:avLst/>
@@ -2406,12 +2409,12 @@
         </a:fontRef>
       </dsp:style>
       <dsp:txBody>
-        <a:bodyPr spcFirstLastPara="0" vert="horz" wrap="square" lIns="12700" tIns="12700" rIns="12700" bIns="12700" numCol="1" spcCol="1270" anchor="ctr" anchorCtr="0">
+        <a:bodyPr spcFirstLastPara="0" vert="horz" wrap="square" lIns="17780" tIns="17780" rIns="17780" bIns="17780" numCol="1" spcCol="1270" anchor="ctr" anchorCtr="0">
           <a:noAutofit/>
         </a:bodyPr>
         <a:lstStyle/>
         <a:p>
-          <a:pPr marL="0" lvl="0" indent="0" algn="ctr" defTabSz="222250">
+          <a:pPr marL="0" lvl="0" indent="0" algn="ctr" defTabSz="311150">
             <a:lnSpc>
               <a:spcPct val="90000"/>
             </a:lnSpc>
@@ -2424,14 +2427,14 @@
             <a:buNone/>
           </a:pPr>
           <a:r>
-            <a:rPr lang="de-DE" sz="500" kern="1200" dirty="0"/>
+            <a:rPr lang="de-DE" sz="700" kern="1200" dirty="0"/>
             <a:t>Emotions-transmission </a:t>
           </a:r>
         </a:p>
       </dsp:txBody>
       <dsp:txXfrm>
-        <a:off x="517093" y="779354"/>
-        <a:ext cx="474985" cy="411721"/>
+        <a:off x="1371405" y="1022463"/>
+        <a:ext cx="623150" cy="540151"/>
       </dsp:txXfrm>
     </dsp:sp>
     <dsp:sp modelId="{33E29680-E91D-4DCD-92D9-2442DFEDECD7}">
@@ -2441,8 +2444,8 @@
       </dsp:nvSpPr>
       <dsp:spPr>
         <a:xfrm>
-          <a:off x="518263" y="1730587"/>
-          <a:ext cx="472647" cy="352722"/>
+          <a:off x="1461545" y="2248726"/>
+          <a:ext cx="620083" cy="462749"/>
         </a:xfrm>
         <a:prstGeom prst="roundRect">
           <a:avLst/>
@@ -2484,12 +2487,12 @@
         </a:fontRef>
       </dsp:style>
       <dsp:txBody>
-        <a:bodyPr spcFirstLastPara="0" vert="horz" wrap="square" lIns="12700" tIns="12700" rIns="12700" bIns="12700" numCol="1" spcCol="1270" anchor="ctr" anchorCtr="0">
+        <a:bodyPr spcFirstLastPara="0" vert="horz" wrap="square" lIns="17780" tIns="17780" rIns="17780" bIns="17780" numCol="1" spcCol="1270" anchor="ctr" anchorCtr="0">
           <a:noAutofit/>
         </a:bodyPr>
         <a:lstStyle/>
         <a:p>
-          <a:pPr marL="0" lvl="0" indent="0" algn="ctr" defTabSz="222250">
+          <a:pPr marL="0" lvl="0" indent="0" algn="ctr" defTabSz="311150">
             <a:lnSpc>
               <a:spcPct val="90000"/>
             </a:lnSpc>
@@ -2502,14 +2505,14 @@
             <a:buNone/>
           </a:pPr>
           <a:r>
-            <a:rPr lang="de-DE" sz="500" kern="1200" dirty="0"/>
+            <a:rPr lang="de-DE" sz="700" kern="1200" dirty="0"/>
             <a:t>Arten von Emotionen </a:t>
           </a:r>
         </a:p>
       </dsp:txBody>
       <dsp:txXfrm>
-        <a:off x="535481" y="1747805"/>
-        <a:ext cx="438211" cy="318286"/>
+        <a:off x="1484135" y="2271316"/>
+        <a:ext cx="574903" cy="417569"/>
       </dsp:txXfrm>
     </dsp:sp>
     <dsp:sp modelId="{88AF37E8-EC11-4E07-81B3-B1D583501E4E}">
@@ -2519,8 +2522,8 @@
       </dsp:nvSpPr>
       <dsp:spPr>
         <a:xfrm rot="16200000">
-          <a:off x="730702" y="1706702"/>
-          <a:ext cx="47769" cy="0"/>
+          <a:off x="1751901" y="2229040"/>
+          <a:ext cx="39371" cy="0"/>
         </a:xfrm>
         <a:custGeom>
           <a:avLst/>
@@ -2534,7 +2537,7 @@
                 <a:pt x="0" y="0"/>
               </a:moveTo>
               <a:lnTo>
-                <a:pt x="47769" y="0"/>
+                <a:pt x="39371" y="0"/>
               </a:lnTo>
             </a:path>
           </a:pathLst>
@@ -2574,8 +2577,8 @@
       </dsp:nvSpPr>
       <dsp:spPr>
         <a:xfrm>
-          <a:off x="610033" y="1446016"/>
-          <a:ext cx="289105" cy="236801"/>
+          <a:off x="1526948" y="1852088"/>
+          <a:ext cx="489277" cy="357266"/>
         </a:xfrm>
         <a:prstGeom prst="roundRect">
           <a:avLst/>
@@ -2617,12 +2620,12 @@
         </a:fontRef>
       </dsp:style>
       <dsp:txBody>
-        <a:bodyPr spcFirstLastPara="0" vert="horz" wrap="square" lIns="12700" tIns="12700" rIns="12700" bIns="12700" numCol="1" spcCol="1270" anchor="ctr" anchorCtr="0">
+        <a:bodyPr spcFirstLastPara="0" vert="horz" wrap="square" lIns="17780" tIns="17780" rIns="17780" bIns="17780" numCol="1" spcCol="1270" anchor="ctr" anchorCtr="0">
           <a:noAutofit/>
         </a:bodyPr>
         <a:lstStyle/>
         <a:p>
-          <a:pPr marL="0" lvl="0" indent="0" algn="ctr" defTabSz="222250">
+          <a:pPr marL="0" lvl="0" indent="0" algn="ctr" defTabSz="311150">
             <a:lnSpc>
               <a:spcPct val="90000"/>
             </a:lnSpc>
@@ -2635,14 +2638,14 @@
             <a:buNone/>
           </a:pPr>
           <a:r>
-            <a:rPr lang="de-DE" sz="500" kern="1200" dirty="0"/>
+            <a:rPr lang="de-DE" sz="700" kern="1200" dirty="0"/>
             <a:t>Leistungs-emotionen</a:t>
           </a:r>
         </a:p>
       </dsp:txBody>
       <dsp:txXfrm>
-        <a:off x="621593" y="1457576"/>
-        <a:ext cx="265985" cy="213681"/>
+        <a:off x="1544388" y="1869528"/>
+        <a:ext cx="454397" cy="322386"/>
       </dsp:txXfrm>
     </dsp:sp>
     <dsp:sp modelId="{3D26BC39-0FE9-4DC0-BE69-E7A43DD7B6E0}">
@@ -2651,9 +2654,9 @@
         <dsp:cNvSpPr/>
       </dsp:nvSpPr>
       <dsp:spPr>
-        <a:xfrm rot="10653372">
-          <a:off x="447474" y="1918544"/>
-          <a:ext cx="70820" cy="0"/>
+        <a:xfrm rot="21453372">
+          <a:off x="1461506" y="2491532"/>
+          <a:ext cx="84461" cy="0"/>
         </a:xfrm>
         <a:custGeom>
           <a:avLst/>
@@ -2667,7 +2670,7 @@
                 <a:pt x="0" y="0"/>
               </a:moveTo>
               <a:lnTo>
-                <a:pt x="70820" y="0"/>
+                <a:pt x="84461" y="0"/>
               </a:lnTo>
             </a:path>
           </a:pathLst>
@@ -2707,8 +2710,8 @@
       </dsp:nvSpPr>
       <dsp:spPr>
         <a:xfrm>
-          <a:off x="203276" y="1803150"/>
-          <a:ext cx="244230" cy="244230"/>
+          <a:off x="871090" y="2277240"/>
+          <a:ext cx="674839" cy="453784"/>
         </a:xfrm>
         <a:prstGeom prst="roundRect">
           <a:avLst/>
@@ -2750,12 +2753,12 @@
         </a:fontRef>
       </dsp:style>
       <dsp:txBody>
-        <a:bodyPr spcFirstLastPara="0" vert="horz" wrap="square" lIns="12700" tIns="12700" rIns="12700" bIns="12700" numCol="1" spcCol="1270" anchor="ctr" anchorCtr="0">
+        <a:bodyPr spcFirstLastPara="0" vert="horz" wrap="square" lIns="17780" tIns="17780" rIns="17780" bIns="17780" numCol="1" spcCol="1270" anchor="ctr" anchorCtr="0">
           <a:noAutofit/>
         </a:bodyPr>
         <a:lstStyle/>
         <a:p>
-          <a:pPr marL="0" lvl="0" indent="0" algn="ctr" defTabSz="222250">
+          <a:pPr marL="0" lvl="0" indent="0" algn="ctr" defTabSz="311150">
             <a:lnSpc>
               <a:spcPct val="90000"/>
             </a:lnSpc>
@@ -2768,14 +2771,33 @@
             <a:buNone/>
           </a:pPr>
           <a:r>
-            <a:rPr lang="de-DE" sz="500" kern="1200" dirty="0"/>
-            <a:t>Themenemotionen</a:t>
+            <a:rPr lang="de-DE" sz="700" kern="1200" dirty="0"/>
+            <a:t>Themen</a:t>
           </a:r>
+        </a:p>
+        <a:p>
+          <a:pPr marL="0" lvl="0" indent="0" algn="ctr" defTabSz="311150">
+            <a:lnSpc>
+              <a:spcPct val="90000"/>
+            </a:lnSpc>
+            <a:spcBef>
+              <a:spcPct val="0"/>
+            </a:spcBef>
+            <a:spcAft>
+              <a:spcPct val="35000"/>
+            </a:spcAft>
+            <a:buNone/>
+          </a:pPr>
+          <a:r>
+            <a:rPr lang="de-DE" sz="700" kern="1200" dirty="0" err="1"/>
+            <a:t>emotionen</a:t>
+          </a:r>
+          <a:endParaRPr lang="de-DE" sz="700" kern="1200" dirty="0"/>
         </a:p>
       </dsp:txBody>
       <dsp:txXfrm>
-        <a:off x="215198" y="1815072"/>
-        <a:ext cx="220386" cy="220386"/>
+        <a:off x="893242" y="2299392"/>
+        <a:ext cx="630535" cy="409480"/>
       </dsp:txXfrm>
     </dsp:sp>
     <dsp:sp modelId="{58923F2A-2891-4751-8BAA-E23081A28BAD}">
@@ -2785,8 +2807,8 @@
       </dsp:nvSpPr>
       <dsp:spPr>
         <a:xfrm rot="5511096">
-          <a:off x="698732" y="2131867"/>
-          <a:ext cx="97165" cy="0"/>
+          <a:off x="1698309" y="2775180"/>
+          <a:ext cx="127475" cy="0"/>
         </a:xfrm>
         <a:custGeom>
           <a:avLst/>
@@ -2800,7 +2822,7 @@
                 <a:pt x="0" y="0"/>
               </a:moveTo>
               <a:lnTo>
-                <a:pt x="97165" y="0"/>
+                <a:pt x="127475" y="0"/>
               </a:lnTo>
             </a:path>
           </a:pathLst>
@@ -2840,8 +2862,8 @@
       </dsp:nvSpPr>
       <dsp:spPr>
         <a:xfrm>
-          <a:off x="619682" y="2180425"/>
-          <a:ext cx="244230" cy="244230"/>
+          <a:off x="1594601" y="2838885"/>
+          <a:ext cx="320415" cy="320415"/>
         </a:xfrm>
         <a:prstGeom prst="roundRect">
           <a:avLst/>
@@ -2883,12 +2905,12 @@
         </a:fontRef>
       </dsp:style>
       <dsp:txBody>
-        <a:bodyPr spcFirstLastPara="0" vert="horz" wrap="square" lIns="12700" tIns="12700" rIns="12700" bIns="12700" numCol="1" spcCol="1270" anchor="ctr" anchorCtr="0">
+        <a:bodyPr spcFirstLastPara="0" vert="horz" wrap="square" lIns="17780" tIns="17780" rIns="17780" bIns="17780" numCol="1" spcCol="1270" anchor="ctr" anchorCtr="0">
           <a:noAutofit/>
         </a:bodyPr>
         <a:lstStyle/>
         <a:p>
-          <a:pPr marL="0" lvl="0" indent="0" algn="ctr" defTabSz="222250">
+          <a:pPr marL="0" lvl="0" indent="0" algn="ctr" defTabSz="311150">
             <a:lnSpc>
               <a:spcPct val="90000"/>
             </a:lnSpc>
@@ -2901,14 +2923,14 @@
             <a:buNone/>
           </a:pPr>
           <a:r>
-            <a:rPr lang="de-DE" sz="500" kern="1200" dirty="0"/>
+            <a:rPr lang="de-DE" sz="700" kern="1200" dirty="0"/>
             <a:t>… </a:t>
           </a:r>
         </a:p>
       </dsp:txBody>
       <dsp:txXfrm>
-        <a:off x="631604" y="2192347"/>
-        <a:ext cx="220386" cy="220386"/>
+        <a:off x="1610242" y="2854526"/>
+        <a:ext cx="289133" cy="289133"/>
       </dsp:txXfrm>
     </dsp:sp>
     <dsp:sp modelId="{50DD4470-6A64-47A4-AAAC-2B4E6B3E98F8}">
@@ -2918,8 +2940,8 @@
       </dsp:nvSpPr>
       <dsp:spPr>
         <a:xfrm>
-          <a:off x="1361539" y="1921457"/>
-          <a:ext cx="497581" cy="299712"/>
+          <a:off x="2479264" y="2520829"/>
+          <a:ext cx="652795" cy="393203"/>
         </a:xfrm>
         <a:prstGeom prst="roundRect">
           <a:avLst/>
@@ -2957,12 +2979,12 @@
         </a:fontRef>
       </dsp:style>
       <dsp:txBody>
-        <a:bodyPr spcFirstLastPara="0" vert="horz" wrap="square" lIns="12700" tIns="12700" rIns="12700" bIns="12700" numCol="1" spcCol="1270" anchor="ctr" anchorCtr="0">
+        <a:bodyPr spcFirstLastPara="0" vert="horz" wrap="square" lIns="17780" tIns="17780" rIns="17780" bIns="17780" numCol="1" spcCol="1270" anchor="ctr" anchorCtr="0">
           <a:noAutofit/>
         </a:bodyPr>
         <a:lstStyle/>
         <a:p>
-          <a:pPr marL="0" lvl="0" indent="0" algn="ctr" defTabSz="222250">
+          <a:pPr marL="0" lvl="0" indent="0" algn="ctr" defTabSz="311150">
             <a:lnSpc>
               <a:spcPct val="90000"/>
             </a:lnSpc>
@@ -2975,14 +2997,14 @@
             <a:buNone/>
           </a:pPr>
           <a:r>
-            <a:rPr lang="de-DE" sz="500" kern="1200" dirty="0"/>
+            <a:rPr lang="de-DE" sz="700" kern="1200" dirty="0"/>
             <a:t>Wirkung von Emotionen </a:t>
           </a:r>
         </a:p>
       </dsp:txBody>
       <dsp:txXfrm>
-        <a:off x="1376170" y="1936088"/>
-        <a:ext cx="468319" cy="270450"/>
+        <a:off x="2498459" y="2540024"/>
+        <a:ext cx="614405" cy="354813"/>
       </dsp:txXfrm>
     </dsp:sp>
     <dsp:sp modelId="{2D18F16A-B87E-4FCE-A109-732AD41D9DBB}">
@@ -2992,8 +3014,8 @@
       </dsp:nvSpPr>
       <dsp:spPr>
         <a:xfrm>
-          <a:off x="2285764" y="1653042"/>
-          <a:ext cx="340261" cy="340261"/>
+          <a:off x="3691787" y="2168685"/>
+          <a:ext cx="446401" cy="446401"/>
         </a:xfrm>
         <a:prstGeom prst="roundRect">
           <a:avLst/>
@@ -3035,12 +3057,12 @@
         </a:fontRef>
       </dsp:style>
       <dsp:txBody>
-        <a:bodyPr spcFirstLastPara="0" vert="horz" wrap="square" lIns="12700" tIns="12700" rIns="12700" bIns="12700" numCol="1" spcCol="1270" anchor="ctr" anchorCtr="0">
+        <a:bodyPr spcFirstLastPara="0" vert="horz" wrap="square" lIns="17780" tIns="17780" rIns="17780" bIns="17780" numCol="1" spcCol="1270" anchor="ctr" anchorCtr="0">
           <a:noAutofit/>
         </a:bodyPr>
         <a:lstStyle/>
         <a:p>
-          <a:pPr marL="0" lvl="0" indent="0" algn="ctr" defTabSz="222250">
+          <a:pPr marL="0" lvl="0" indent="0" algn="ctr" defTabSz="311150">
             <a:lnSpc>
               <a:spcPct val="90000"/>
             </a:lnSpc>
@@ -3053,14 +3075,14 @@
             <a:buNone/>
           </a:pPr>
           <a:r>
-            <a:rPr lang="de-DE" sz="500" kern="1200" dirty="0"/>
+            <a:rPr lang="de-DE" sz="700" kern="1200" dirty="0"/>
             <a:t>…</a:t>
           </a:r>
         </a:p>
       </dsp:txBody>
       <dsp:txXfrm>
-        <a:off x="2302374" y="1669652"/>
-        <a:ext cx="307041" cy="307041"/>
+        <a:off x="3713579" y="2190477"/>
+        <a:ext cx="402817" cy="402817"/>
       </dsp:txXfrm>
     </dsp:sp>
     <dsp:sp modelId="{DB6656A5-B09A-44BF-9DB3-1DED7F6FF15C}">
@@ -3070,8 +3092,8 @@
       </dsp:nvSpPr>
       <dsp:spPr>
         <a:xfrm>
-          <a:off x="2218426" y="800382"/>
-          <a:ext cx="442041" cy="369665"/>
+          <a:off x="3603444" y="1052771"/>
+          <a:ext cx="579930" cy="484977"/>
         </a:xfrm>
         <a:prstGeom prst="roundRect">
           <a:avLst/>
@@ -3113,12 +3135,12 @@
         </a:fontRef>
       </dsp:style>
       <dsp:txBody>
-        <a:bodyPr spcFirstLastPara="0" vert="horz" wrap="square" lIns="12700" tIns="12700" rIns="12700" bIns="12700" numCol="1" spcCol="1270" anchor="ctr" anchorCtr="0">
+        <a:bodyPr spcFirstLastPara="0" vert="horz" wrap="square" lIns="17780" tIns="17780" rIns="17780" bIns="17780" numCol="1" spcCol="1270" anchor="ctr" anchorCtr="0">
           <a:noAutofit/>
         </a:bodyPr>
         <a:lstStyle/>
         <a:p>
-          <a:pPr marL="0" lvl="0" indent="0" algn="ctr" defTabSz="222250">
+          <a:pPr marL="0" lvl="0" indent="0" algn="ctr" defTabSz="311150">
             <a:lnSpc>
               <a:spcPct val="90000"/>
             </a:lnSpc>
@@ -3131,18 +3153,18 @@
             <a:buNone/>
           </a:pPr>
           <a:r>
-            <a:rPr lang="de-DE" sz="500" kern="1200" dirty="0" err="1"/>
+            <a:rPr lang="de-DE" sz="700" kern="1200" dirty="0" err="1"/>
             <a:t>Kompo-nenten</a:t>
           </a:r>
           <a:r>
-            <a:rPr lang="de-DE" sz="500" kern="1200" dirty="0"/>
+            <a:rPr lang="de-DE" sz="700" kern="1200" dirty="0"/>
             <a:t> </a:t>
           </a:r>
         </a:p>
       </dsp:txBody>
       <dsp:txXfrm>
-        <a:off x="2236472" y="818428"/>
-        <a:ext cx="405949" cy="333573"/>
+        <a:off x="3627119" y="1076446"/>
+        <a:ext cx="532580" cy="437627"/>
       </dsp:txXfrm>
     </dsp:sp>
     <dsp:sp modelId="{16E9CC8B-72FA-4E01-A14D-7D39F337CCA2}">
@@ -3152,8 +3174,8 @@
       </dsp:nvSpPr>
       <dsp:spPr>
         <a:xfrm rot="16200000">
-          <a:off x="2400857" y="761793"/>
-          <a:ext cx="77179" cy="0"/>
+          <a:off x="3863162" y="1022523"/>
+          <a:ext cx="60494" cy="0"/>
         </a:xfrm>
         <a:custGeom>
           <a:avLst/>
@@ -3167,7 +3189,7 @@
                 <a:pt x="0" y="0"/>
               </a:moveTo>
               <a:lnTo>
-                <a:pt x="77179" y="0"/>
+                <a:pt x="60494" y="0"/>
               </a:lnTo>
             </a:path>
           </a:pathLst>
@@ -3207,8 +3229,8 @@
       </dsp:nvSpPr>
       <dsp:spPr>
         <a:xfrm>
-          <a:off x="2319657" y="483624"/>
-          <a:ext cx="239578" cy="239578"/>
+          <a:off x="3682361" y="596444"/>
+          <a:ext cx="422095" cy="395831"/>
         </a:xfrm>
         <a:prstGeom prst="roundRect">
           <a:avLst/>
@@ -3250,12 +3272,12 @@
         </a:fontRef>
       </dsp:style>
       <dsp:txBody>
-        <a:bodyPr spcFirstLastPara="0" vert="horz" wrap="square" lIns="12700" tIns="12700" rIns="12700" bIns="12700" numCol="1" spcCol="1270" anchor="ctr" anchorCtr="0">
+        <a:bodyPr spcFirstLastPara="0" vert="horz" wrap="square" lIns="17780" tIns="17780" rIns="17780" bIns="17780" numCol="1" spcCol="1270" anchor="ctr" anchorCtr="0">
           <a:noAutofit/>
         </a:bodyPr>
         <a:lstStyle/>
         <a:p>
-          <a:pPr marL="0" lvl="0" indent="0" algn="ctr" defTabSz="222250">
+          <a:pPr marL="0" lvl="0" indent="0" algn="ctr" defTabSz="311150">
             <a:lnSpc>
               <a:spcPct val="90000"/>
             </a:lnSpc>
@@ -3268,14 +3290,14 @@
             <a:buNone/>
           </a:pPr>
           <a:r>
-            <a:rPr lang="de-DE" sz="500" kern="1200" dirty="0"/>
+            <a:rPr lang="de-DE" sz="700" kern="1200" dirty="0"/>
             <a:t>Affektiv</a:t>
           </a:r>
         </a:p>
       </dsp:txBody>
       <dsp:txXfrm>
-        <a:off x="2331352" y="495319"/>
-        <a:ext cx="216188" cy="216188"/>
+        <a:off x="3701684" y="615767"/>
+        <a:ext cx="383449" cy="357185"/>
       </dsp:txXfrm>
     </dsp:sp>
     <dsp:sp modelId="{3DAFA6A7-9F1B-4C3C-9A9F-6B6C617D4211}">
@@ -3285,8 +3307,8 @@
       </dsp:nvSpPr>
       <dsp:spPr>
         <a:xfrm rot="10931058">
-          <a:off x="2158210" y="975637"/>
-          <a:ext cx="60237" cy="0"/>
+          <a:off x="3524445" y="1282693"/>
+          <a:ext cx="79027" cy="0"/>
         </a:xfrm>
         <a:custGeom>
           <a:avLst/>
@@ -3300,7 +3322,7 @@
                 <a:pt x="0" y="0"/>
               </a:moveTo>
               <a:lnTo>
-                <a:pt x="60237" y="0"/>
+                <a:pt x="79027" y="0"/>
               </a:lnTo>
             </a:path>
           </a:pathLst>
@@ -3340,8 +3362,8 @@
       </dsp:nvSpPr>
       <dsp:spPr>
         <a:xfrm>
-          <a:off x="1918653" y="850131"/>
-          <a:ext cx="239578" cy="239578"/>
+          <a:off x="3210162" y="1118037"/>
+          <a:ext cx="314311" cy="314311"/>
         </a:xfrm>
         <a:prstGeom prst="roundRect">
           <a:avLst/>
@@ -3383,12 +3405,12 @@
         </a:fontRef>
       </dsp:style>
       <dsp:txBody>
-        <a:bodyPr spcFirstLastPara="0" vert="horz" wrap="square" lIns="12700" tIns="12700" rIns="12700" bIns="12700" numCol="1" spcCol="1270" anchor="ctr" anchorCtr="0">
+        <a:bodyPr spcFirstLastPara="0" vert="horz" wrap="square" lIns="17780" tIns="17780" rIns="17780" bIns="17780" numCol="1" spcCol="1270" anchor="ctr" anchorCtr="0">
           <a:noAutofit/>
         </a:bodyPr>
         <a:lstStyle/>
         <a:p>
-          <a:pPr marL="0" lvl="0" indent="0" algn="ctr" defTabSz="222250">
+          <a:pPr marL="0" lvl="0" indent="0" algn="ctr" defTabSz="311150">
             <a:lnSpc>
               <a:spcPct val="90000"/>
             </a:lnSpc>
@@ -3401,14 +3423,14 @@
             <a:buNone/>
           </a:pPr>
           <a:r>
-            <a:rPr lang="de-DE" sz="500" kern="1200" dirty="0"/>
+            <a:rPr lang="de-DE" sz="700" kern="1200" dirty="0"/>
             <a:t>Kognitiv</a:t>
           </a:r>
         </a:p>
       </dsp:txBody>
       <dsp:txXfrm>
-        <a:off x="1930348" y="861826"/>
-        <a:ext cx="216188" cy="216188"/>
+        <a:off x="3225505" y="1133380"/>
+        <a:ext cx="283625" cy="283625"/>
       </dsp:txXfrm>
     </dsp:sp>
     <dsp:sp modelId="{2F54BB05-115F-4ADC-9015-118A35265392}">
@@ -3418,8 +3440,8 @@
       </dsp:nvSpPr>
       <dsp:spPr>
         <a:xfrm rot="5400000">
-          <a:off x="2416748" y="1192746"/>
-          <a:ext cx="45397" cy="0"/>
+          <a:off x="3881289" y="1549868"/>
+          <a:ext cx="24239" cy="0"/>
         </a:xfrm>
         <a:custGeom>
           <a:avLst/>
@@ -3433,7 +3455,7 @@
                 <a:pt x="0" y="0"/>
               </a:moveTo>
               <a:lnTo>
-                <a:pt x="45397" y="0"/>
+                <a:pt x="24239" y="0"/>
               </a:lnTo>
             </a:path>
           </a:pathLst>
@@ -3473,8 +3495,8 @@
       </dsp:nvSpPr>
       <dsp:spPr>
         <a:xfrm>
-          <a:off x="2319657" y="1215445"/>
-          <a:ext cx="239578" cy="239578"/>
+          <a:off x="3610353" y="1561988"/>
+          <a:ext cx="566113" cy="384950"/>
         </a:xfrm>
         <a:prstGeom prst="roundRect">
           <a:avLst/>
@@ -3516,12 +3538,12 @@
         </a:fontRef>
       </dsp:style>
       <dsp:txBody>
-        <a:bodyPr spcFirstLastPara="0" vert="horz" wrap="square" lIns="12700" tIns="12700" rIns="12700" bIns="12700" numCol="1" spcCol="1270" anchor="ctr" anchorCtr="0">
+        <a:bodyPr spcFirstLastPara="0" vert="horz" wrap="square" lIns="17780" tIns="17780" rIns="17780" bIns="17780" numCol="1" spcCol="1270" anchor="ctr" anchorCtr="0">
           <a:noAutofit/>
         </a:bodyPr>
         <a:lstStyle/>
         <a:p>
-          <a:pPr marL="0" lvl="0" indent="0" algn="ctr" defTabSz="222250">
+          <a:pPr marL="0" lvl="0" indent="0" algn="ctr" defTabSz="311150">
             <a:lnSpc>
               <a:spcPct val="90000"/>
             </a:lnSpc>
@@ -3534,18 +3556,14 @@
             <a:buNone/>
           </a:pPr>
           <a:r>
-            <a:rPr lang="de-DE" sz="500" kern="1200" dirty="0" err="1"/>
-            <a:t>Motiva-tional</a:t>
-          </a:r>
-          <a:r>
-            <a:rPr lang="de-DE" sz="500" kern="1200" dirty="0"/>
-            <a:t> </a:t>
+            <a:rPr lang="de-DE" sz="700" kern="1200" dirty="0"/>
+            <a:t>Motivational </a:t>
           </a:r>
         </a:p>
       </dsp:txBody>
       <dsp:txXfrm>
-        <a:off x="2331352" y="1227140"/>
-        <a:ext cx="216188" cy="216188"/>
+        <a:off x="3629145" y="1580780"/>
+        <a:ext cx="528529" cy="347366"/>
       </dsp:txXfrm>
     </dsp:sp>
     <dsp:sp modelId="{792C0A44-C411-4A81-BC10-C130F47A3D83}">
@@ -3555,8 +3573,8 @@
       </dsp:nvSpPr>
       <dsp:spPr>
         <a:xfrm>
-          <a:off x="2660468" y="985215"/>
-          <a:ext cx="62986" cy="0"/>
+          <a:off x="4183375" y="1295259"/>
+          <a:ext cx="82634" cy="0"/>
         </a:xfrm>
         <a:custGeom>
           <a:avLst/>
@@ -3570,7 +3588,7 @@
                 <a:pt x="0" y="0"/>
               </a:moveTo>
               <a:lnTo>
-                <a:pt x="62986" y="0"/>
+                <a:pt x="82634" y="0"/>
               </a:lnTo>
             </a:path>
           </a:pathLst>
@@ -3610,8 +3628,8 @@
       </dsp:nvSpPr>
       <dsp:spPr>
         <a:xfrm>
-          <a:off x="2723455" y="871759"/>
-          <a:ext cx="305369" cy="226912"/>
+          <a:off x="4266009" y="1146412"/>
+          <a:ext cx="400625" cy="297694"/>
         </a:xfrm>
         <a:prstGeom prst="roundRect">
           <a:avLst/>
@@ -3653,12 +3671,12 @@
         </a:fontRef>
       </dsp:style>
       <dsp:txBody>
-        <a:bodyPr spcFirstLastPara="0" vert="horz" wrap="square" lIns="12700" tIns="12700" rIns="12700" bIns="12700" numCol="1" spcCol="1270" anchor="ctr" anchorCtr="0">
+        <a:bodyPr spcFirstLastPara="0" vert="horz" wrap="square" lIns="17780" tIns="17780" rIns="17780" bIns="17780" numCol="1" spcCol="1270" anchor="ctr" anchorCtr="0">
           <a:noAutofit/>
         </a:bodyPr>
         <a:lstStyle/>
         <a:p>
-          <a:pPr marL="0" lvl="0" indent="0" algn="ctr" defTabSz="222250">
+          <a:pPr marL="0" lvl="0" indent="0" algn="ctr" defTabSz="311150">
             <a:lnSpc>
               <a:spcPct val="90000"/>
             </a:lnSpc>
@@ -3671,14 +3689,14 @@
             <a:buNone/>
           </a:pPr>
           <a:r>
-            <a:rPr lang="de-DE" sz="500" kern="1200" dirty="0"/>
+            <a:rPr lang="de-DE" sz="700" kern="1200" dirty="0"/>
             <a:t>…</a:t>
           </a:r>
         </a:p>
       </dsp:txBody>
       <dsp:txXfrm>
-        <a:off x="2734532" y="882836"/>
-        <a:ext cx="283215" cy="204758"/>
+        <a:off x="4280541" y="1160944"/>
+        <a:ext cx="371561" cy="268630"/>
       </dsp:txXfrm>
     </dsp:sp>
   </dsp:spTree>
@@ -15773,14 +15791,14 @@
           <p:nvPr>
             <p:extLst>
               <p:ext uri="{D42A27DB-BD31-4B8C-83A1-F6EECF244321}">
-                <p14:modId xmlns:p14="http://schemas.microsoft.com/office/powerpoint/2010/main" val="1483585205"/>
+                <p14:modId xmlns:p14="http://schemas.microsoft.com/office/powerpoint/2010/main" val="3561840135"/>
               </p:ext>
             </p:extLst>
           </p:nvPr>
         </p:nvGraphicFramePr>
         <p:xfrm>
-          <a:off x="5580112" y="2499742"/>
-          <a:ext cx="3226777" cy="2539266"/>
+          <a:off x="3275856" y="1707654"/>
+          <a:ext cx="5531033" cy="3331354"/>
         </p:xfrm>
         <a:graphic>
           <a:graphicData uri="http://schemas.openxmlformats.org/drawingml/2006/diagram">
